--- a/Presentation/Introdution to Metavers.pptx
+++ b/Presentation/Introdution to Metavers.pptx
@@ -4065,8 +4065,8 @@
           <a:lstStyle/>
           <a:p>
             <a:r>
-              <a:rPr lang="en-US" dirty="0" smtClean="0"/>
-              <a:t>Introduction</a:t>
+              <a:rPr lang="en-US" smtClean="0"/>
+              <a:t>Introduction to Web 3.0</a:t>
             </a:r>
             <a:endParaRPr lang="en-US" dirty="0"/>
           </a:p>
@@ -4387,13 +4387,8 @@
             </a:r>
             <a:r>
               <a:rPr lang="en-US" dirty="0" smtClean="0"/>
-              <a:t>) is a simulated experience that employs pose tracking and 3D near-eye displays to give the user an immersive feel of a virtual world. Applications of virtual reality include entertainment (particularly video games), education (such as medical or military training) and business (such as virtual meetings). Other distinct types of VR-style technology include augmented reality and mixed reality, sometimes referred to as extended reality or XR, although definitions are currently changing due to the nascence of the industry</a:t>
-            </a:r>
-            <a:r>
-              <a:rPr lang="en-US" dirty="0" smtClean="0"/>
-              <a:t>.</a:t>
-            </a:r>
-            <a:endParaRPr lang="en-US" dirty="0" smtClean="0"/>
+              <a:t>) is a simulated experience that employs pose tracking and 3D near-eye displays to give the user an immersive feel of a virtual world. Applications of virtual reality include entertainment (particularly video games), education (such as medical or military training) and business (such as virtual meetings). Other distinct types of VR-style technology include augmented reality and mixed reality, sometimes referred to as extended reality or XR, although definitions are currently changing due to the nascence of the industry.</a:t>
+            </a:r>
           </a:p>
           <a:p>
             <a:endParaRPr lang="en-US" dirty="0"/>
